--- a/img/layers.pptx
+++ b/img/layers.pptx
@@ -3023,43 +3023,6 @@
           </a:p>
         </p:txBody>
       </p:sp>
-      <p:cxnSp>
-        <p:nvCxnSpPr>
-          <p:cNvPr id="80" name="Gekrümmter Verbinder 184"/>
-          <p:cNvCxnSpPr/>
-          <p:nvPr/>
-        </p:nvCxnSpPr>
-        <p:spPr>
-          <a:xfrm flipH="1">
-            <a:off x="543586" y="707416"/>
-            <a:ext cx="0" cy="4032000"/>
-          </a:xfrm>
-          <a:prstGeom prst="straightConnector1">
-            <a:avLst/>
-          </a:prstGeom>
-          <a:ln w="28575">
-            <a:solidFill>
-              <a:srgbClr val="D20015"/>
-            </a:solidFill>
-            <a:headEnd type="triangle" w="med" len="lg"/>
-            <a:tailEnd type="triangle" w="med" len="lg"/>
-          </a:ln>
-        </p:spPr>
-        <p:style>
-          <a:lnRef idx="1">
-            <a:schemeClr val="accent1"/>
-          </a:lnRef>
-          <a:fillRef idx="0">
-            <a:schemeClr val="accent1"/>
-          </a:fillRef>
-          <a:effectRef idx="0">
-            <a:schemeClr val="accent1"/>
-          </a:effectRef>
-          <a:fontRef idx="minor">
-            <a:schemeClr val="tx1"/>
-          </a:fontRef>
-        </p:style>
-      </p:cxnSp>
       <p:sp>
         <p:nvSpPr>
           <p:cNvPr id="81" name="Abgerundetes Rechteck 80"/>
@@ -3558,228 +3521,6 @@
           </a:p>
         </p:txBody>
       </p:sp>
-      <p:cxnSp>
-        <p:nvCxnSpPr>
-          <p:cNvPr id="89" name="Gekrümmter Verbinder 184"/>
-          <p:cNvCxnSpPr/>
-          <p:nvPr/>
-        </p:nvCxnSpPr>
-        <p:spPr>
-          <a:xfrm flipH="1">
-            <a:off x="1083586" y="728757"/>
-            <a:ext cx="0" cy="3420000"/>
-          </a:xfrm>
-          <a:prstGeom prst="straightConnector1">
-            <a:avLst/>
-          </a:prstGeom>
-          <a:ln w="28575">
-            <a:solidFill>
-              <a:srgbClr val="D20015"/>
-            </a:solidFill>
-            <a:headEnd type="triangle" w="med" len="lg"/>
-            <a:tailEnd type="triangle" w="med" len="lg"/>
-          </a:ln>
-        </p:spPr>
-        <p:style>
-          <a:lnRef idx="1">
-            <a:schemeClr val="accent1"/>
-          </a:lnRef>
-          <a:fillRef idx="0">
-            <a:schemeClr val="accent1"/>
-          </a:fillRef>
-          <a:effectRef idx="0">
-            <a:schemeClr val="accent1"/>
-          </a:effectRef>
-          <a:fontRef idx="minor">
-            <a:schemeClr val="tx1"/>
-          </a:fontRef>
-        </p:style>
-      </p:cxnSp>
-      <p:cxnSp>
-        <p:nvCxnSpPr>
-          <p:cNvPr id="90" name="Gekrümmter Verbinder 184"/>
-          <p:cNvCxnSpPr/>
-          <p:nvPr/>
-        </p:nvCxnSpPr>
-        <p:spPr>
-          <a:xfrm flipH="1">
-            <a:off x="1623586" y="707416"/>
-            <a:ext cx="0" cy="2808000"/>
-          </a:xfrm>
-          <a:prstGeom prst="straightConnector1">
-            <a:avLst/>
-          </a:prstGeom>
-          <a:ln w="28575">
-            <a:solidFill>
-              <a:srgbClr val="D20015"/>
-            </a:solidFill>
-            <a:headEnd type="triangle" w="med" len="lg"/>
-            <a:tailEnd type="triangle" w="med" len="lg"/>
-          </a:ln>
-        </p:spPr>
-        <p:style>
-          <a:lnRef idx="1">
-            <a:schemeClr val="accent1"/>
-          </a:lnRef>
-          <a:fillRef idx="0">
-            <a:schemeClr val="accent1"/>
-          </a:fillRef>
-          <a:effectRef idx="0">
-            <a:schemeClr val="accent1"/>
-          </a:effectRef>
-          <a:fontRef idx="minor">
-            <a:schemeClr val="tx1"/>
-          </a:fontRef>
-        </p:style>
-      </p:cxnSp>
-      <p:cxnSp>
-        <p:nvCxnSpPr>
-          <p:cNvPr id="91" name="Gekrümmter Verbinder 184"/>
-          <p:cNvCxnSpPr/>
-          <p:nvPr/>
-        </p:nvCxnSpPr>
-        <p:spPr>
-          <a:xfrm flipH="1">
-            <a:off x="2163586" y="707416"/>
-            <a:ext cx="0" cy="2196000"/>
-          </a:xfrm>
-          <a:prstGeom prst="straightConnector1">
-            <a:avLst/>
-          </a:prstGeom>
-          <a:ln w="28575">
-            <a:solidFill>
-              <a:srgbClr val="D20015"/>
-            </a:solidFill>
-            <a:headEnd type="triangle" w="med" len="lg"/>
-            <a:tailEnd type="triangle" w="med" len="lg"/>
-          </a:ln>
-        </p:spPr>
-        <p:style>
-          <a:lnRef idx="1">
-            <a:schemeClr val="accent1"/>
-          </a:lnRef>
-          <a:fillRef idx="0">
-            <a:schemeClr val="accent1"/>
-          </a:fillRef>
-          <a:effectRef idx="0">
-            <a:schemeClr val="accent1"/>
-          </a:effectRef>
-          <a:fontRef idx="minor">
-            <a:schemeClr val="tx1"/>
-          </a:fontRef>
-        </p:style>
-      </p:cxnSp>
-      <p:cxnSp>
-        <p:nvCxnSpPr>
-          <p:cNvPr id="92" name="Gekrümmter Verbinder 184"/>
-          <p:cNvCxnSpPr/>
-          <p:nvPr/>
-        </p:nvCxnSpPr>
-        <p:spPr>
-          <a:xfrm flipH="1">
-            <a:off x="2703586" y="728757"/>
-            <a:ext cx="0" cy="1548000"/>
-          </a:xfrm>
-          <a:prstGeom prst="straightConnector1">
-            <a:avLst/>
-          </a:prstGeom>
-          <a:ln w="28575">
-            <a:solidFill>
-              <a:srgbClr val="D20015"/>
-            </a:solidFill>
-            <a:headEnd type="triangle" w="med" len="lg"/>
-            <a:tailEnd type="triangle" w="med" len="lg"/>
-          </a:ln>
-        </p:spPr>
-        <p:style>
-          <a:lnRef idx="1">
-            <a:schemeClr val="accent1"/>
-          </a:lnRef>
-          <a:fillRef idx="0">
-            <a:schemeClr val="accent1"/>
-          </a:fillRef>
-          <a:effectRef idx="0">
-            <a:schemeClr val="accent1"/>
-          </a:effectRef>
-          <a:fontRef idx="minor">
-            <a:schemeClr val="tx1"/>
-          </a:fontRef>
-        </p:style>
-      </p:cxnSp>
-      <p:cxnSp>
-        <p:nvCxnSpPr>
-          <p:cNvPr id="93" name="Gekrümmter Verbinder 184"/>
-          <p:cNvCxnSpPr/>
-          <p:nvPr/>
-        </p:nvCxnSpPr>
-        <p:spPr>
-          <a:xfrm flipH="1">
-            <a:off x="3243586" y="695806"/>
-            <a:ext cx="0" cy="972000"/>
-          </a:xfrm>
-          <a:prstGeom prst="straightConnector1">
-            <a:avLst/>
-          </a:prstGeom>
-          <a:ln w="28575">
-            <a:solidFill>
-              <a:srgbClr val="D20015"/>
-            </a:solidFill>
-            <a:headEnd type="triangle" w="med" len="lg"/>
-            <a:tailEnd type="triangle" w="med" len="lg"/>
-          </a:ln>
-        </p:spPr>
-        <p:style>
-          <a:lnRef idx="1">
-            <a:schemeClr val="accent1"/>
-          </a:lnRef>
-          <a:fillRef idx="0">
-            <a:schemeClr val="accent1"/>
-          </a:fillRef>
-          <a:effectRef idx="0">
-            <a:schemeClr val="accent1"/>
-          </a:effectRef>
-          <a:fontRef idx="minor">
-            <a:schemeClr val="tx1"/>
-          </a:fontRef>
-        </p:style>
-      </p:cxnSp>
-      <p:cxnSp>
-        <p:nvCxnSpPr>
-          <p:cNvPr id="94" name="Gekrümmter Verbinder 184"/>
-          <p:cNvCxnSpPr/>
-          <p:nvPr/>
-        </p:nvCxnSpPr>
-        <p:spPr>
-          <a:xfrm flipH="1">
-            <a:off x="3783586" y="687568"/>
-            <a:ext cx="0" cy="360000"/>
-          </a:xfrm>
-          <a:prstGeom prst="straightConnector1">
-            <a:avLst/>
-          </a:prstGeom>
-          <a:ln w="28575">
-            <a:solidFill>
-              <a:srgbClr val="D20015"/>
-            </a:solidFill>
-            <a:headEnd type="triangle" w="med" len="lg"/>
-            <a:tailEnd type="triangle" w="med" len="lg"/>
-          </a:ln>
-        </p:spPr>
-        <p:style>
-          <a:lnRef idx="1">
-            <a:schemeClr val="accent1"/>
-          </a:lnRef>
-          <a:fillRef idx="0">
-            <a:schemeClr val="accent1"/>
-          </a:fillRef>
-          <a:effectRef idx="0">
-            <a:schemeClr val="accent1"/>
-          </a:effectRef>
-          <a:fontRef idx="minor">
-            <a:schemeClr val="tx1"/>
-          </a:fontRef>
-        </p:style>
-      </p:cxnSp>
       <p:sp>
         <p:nvSpPr>
           <p:cNvPr id="95" name="Abgerundetes Rechteck 94"/>
@@ -4148,6 +3889,265 @@
           </a:p>
         </p:txBody>
       </p:sp>
+      <p:cxnSp>
+        <p:nvCxnSpPr>
+          <p:cNvPr id="80" name="Gekrümmter Verbinder 184"/>
+          <p:cNvCxnSpPr/>
+          <p:nvPr/>
+        </p:nvCxnSpPr>
+        <p:spPr>
+          <a:xfrm flipH="1">
+            <a:off x="543586" y="720000"/>
+            <a:ext cx="0" cy="4032000"/>
+          </a:xfrm>
+          <a:prstGeom prst="straightConnector1">
+            <a:avLst/>
+          </a:prstGeom>
+          <a:ln w="28575">
+            <a:solidFill>
+              <a:srgbClr val="D20015"/>
+            </a:solidFill>
+            <a:headEnd type="triangle" w="med" len="lg"/>
+            <a:tailEnd type="triangle" w="med" len="lg"/>
+          </a:ln>
+        </p:spPr>
+        <p:style>
+          <a:lnRef idx="1">
+            <a:schemeClr val="accent1"/>
+          </a:lnRef>
+          <a:fillRef idx="0">
+            <a:schemeClr val="accent1"/>
+          </a:fillRef>
+          <a:effectRef idx="0">
+            <a:schemeClr val="accent1"/>
+          </a:effectRef>
+          <a:fontRef idx="minor">
+            <a:schemeClr val="tx1"/>
+          </a:fontRef>
+        </p:style>
+      </p:cxnSp>
+      <p:cxnSp>
+        <p:nvCxnSpPr>
+          <p:cNvPr id="89" name="Gekrümmter Verbinder 184"/>
+          <p:cNvCxnSpPr/>
+          <p:nvPr/>
+        </p:nvCxnSpPr>
+        <p:spPr>
+          <a:xfrm flipH="1">
+            <a:off x="1083586" y="720000"/>
+            <a:ext cx="0" cy="3420000"/>
+          </a:xfrm>
+          <a:prstGeom prst="straightConnector1">
+            <a:avLst/>
+          </a:prstGeom>
+          <a:ln w="28575">
+            <a:solidFill>
+              <a:srgbClr val="D20015"/>
+            </a:solidFill>
+            <a:headEnd type="triangle" w="med" len="lg"/>
+            <a:tailEnd type="triangle" w="med" len="lg"/>
+          </a:ln>
+        </p:spPr>
+        <p:style>
+          <a:lnRef idx="1">
+            <a:schemeClr val="accent1"/>
+          </a:lnRef>
+          <a:fillRef idx="0">
+            <a:schemeClr val="accent1"/>
+          </a:fillRef>
+          <a:effectRef idx="0">
+            <a:schemeClr val="accent1"/>
+          </a:effectRef>
+          <a:fontRef idx="minor">
+            <a:schemeClr val="tx1"/>
+          </a:fontRef>
+        </p:style>
+      </p:cxnSp>
+      <p:cxnSp>
+        <p:nvCxnSpPr>
+          <p:cNvPr id="90" name="Gekrümmter Verbinder 184"/>
+          <p:cNvCxnSpPr/>
+          <p:nvPr/>
+        </p:nvCxnSpPr>
+        <p:spPr>
+          <a:xfrm flipH="1">
+            <a:off x="1623586" y="720000"/>
+            <a:ext cx="0" cy="2808000"/>
+          </a:xfrm>
+          <a:prstGeom prst="straightConnector1">
+            <a:avLst/>
+          </a:prstGeom>
+          <a:ln w="28575">
+            <a:solidFill>
+              <a:srgbClr val="D20015"/>
+            </a:solidFill>
+            <a:headEnd type="triangle" w="med" len="lg"/>
+            <a:tailEnd type="triangle" w="med" len="lg"/>
+          </a:ln>
+        </p:spPr>
+        <p:style>
+          <a:lnRef idx="1">
+            <a:schemeClr val="accent1"/>
+          </a:lnRef>
+          <a:fillRef idx="0">
+            <a:schemeClr val="accent1"/>
+          </a:fillRef>
+          <a:effectRef idx="0">
+            <a:schemeClr val="accent1"/>
+          </a:effectRef>
+          <a:fontRef idx="minor">
+            <a:schemeClr val="tx1"/>
+          </a:fontRef>
+        </p:style>
+      </p:cxnSp>
+      <p:cxnSp>
+        <p:nvCxnSpPr>
+          <p:cNvPr id="91" name="Gekrümmter Verbinder 184"/>
+          <p:cNvCxnSpPr/>
+          <p:nvPr/>
+        </p:nvCxnSpPr>
+        <p:spPr>
+          <a:xfrm flipH="1">
+            <a:off x="2163586" y="720000"/>
+            <a:ext cx="0" cy="2196000"/>
+          </a:xfrm>
+          <a:prstGeom prst="straightConnector1">
+            <a:avLst/>
+          </a:prstGeom>
+          <a:ln w="28575">
+            <a:solidFill>
+              <a:srgbClr val="D20015"/>
+            </a:solidFill>
+            <a:headEnd type="triangle" w="med" len="lg"/>
+            <a:tailEnd type="triangle" w="med" len="lg"/>
+          </a:ln>
+        </p:spPr>
+        <p:style>
+          <a:lnRef idx="1">
+            <a:schemeClr val="accent1"/>
+          </a:lnRef>
+          <a:fillRef idx="0">
+            <a:schemeClr val="accent1"/>
+          </a:fillRef>
+          <a:effectRef idx="0">
+            <a:schemeClr val="accent1"/>
+          </a:effectRef>
+          <a:fontRef idx="minor">
+            <a:schemeClr val="tx1"/>
+          </a:fontRef>
+        </p:style>
+      </p:cxnSp>
+      <p:cxnSp>
+        <p:nvCxnSpPr>
+          <p:cNvPr id="92" name="Gekrümmter Verbinder 184"/>
+          <p:cNvCxnSpPr/>
+          <p:nvPr/>
+        </p:nvCxnSpPr>
+        <p:spPr>
+          <a:xfrm flipH="1">
+            <a:off x="2703586" y="720000"/>
+            <a:ext cx="0" cy="1548000"/>
+          </a:xfrm>
+          <a:prstGeom prst="straightConnector1">
+            <a:avLst/>
+          </a:prstGeom>
+          <a:ln w="28575">
+            <a:solidFill>
+              <a:srgbClr val="D20015"/>
+            </a:solidFill>
+            <a:headEnd type="triangle" w="med" len="lg"/>
+            <a:tailEnd type="triangle" w="med" len="lg"/>
+          </a:ln>
+        </p:spPr>
+        <p:style>
+          <a:lnRef idx="1">
+            <a:schemeClr val="accent1"/>
+          </a:lnRef>
+          <a:fillRef idx="0">
+            <a:schemeClr val="accent1"/>
+          </a:fillRef>
+          <a:effectRef idx="0">
+            <a:schemeClr val="accent1"/>
+          </a:effectRef>
+          <a:fontRef idx="minor">
+            <a:schemeClr val="tx1"/>
+          </a:fontRef>
+        </p:style>
+      </p:cxnSp>
+      <p:cxnSp>
+        <p:nvCxnSpPr>
+          <p:cNvPr id="93" name="Gekrümmter Verbinder 184"/>
+          <p:cNvCxnSpPr/>
+          <p:nvPr/>
+        </p:nvCxnSpPr>
+        <p:spPr>
+          <a:xfrm flipH="1">
+            <a:off x="3243586" y="720000"/>
+            <a:ext cx="0" cy="972000"/>
+          </a:xfrm>
+          <a:prstGeom prst="straightConnector1">
+            <a:avLst/>
+          </a:prstGeom>
+          <a:ln w="28575">
+            <a:solidFill>
+              <a:srgbClr val="D20015"/>
+            </a:solidFill>
+            <a:headEnd type="triangle" w="med" len="lg"/>
+            <a:tailEnd type="triangle" w="med" len="lg"/>
+          </a:ln>
+        </p:spPr>
+        <p:style>
+          <a:lnRef idx="1">
+            <a:schemeClr val="accent1"/>
+          </a:lnRef>
+          <a:fillRef idx="0">
+            <a:schemeClr val="accent1"/>
+          </a:fillRef>
+          <a:effectRef idx="0">
+            <a:schemeClr val="accent1"/>
+          </a:effectRef>
+          <a:fontRef idx="minor">
+            <a:schemeClr val="tx1"/>
+          </a:fontRef>
+        </p:style>
+      </p:cxnSp>
+      <p:cxnSp>
+        <p:nvCxnSpPr>
+          <p:cNvPr id="94" name="Gekrümmter Verbinder 184"/>
+          <p:cNvCxnSpPr/>
+          <p:nvPr/>
+        </p:nvCxnSpPr>
+        <p:spPr>
+          <a:xfrm flipH="1">
+            <a:off x="3783586" y="720000"/>
+            <a:ext cx="0" cy="360000"/>
+          </a:xfrm>
+          <a:prstGeom prst="straightConnector1">
+            <a:avLst/>
+          </a:prstGeom>
+          <a:ln w="28575">
+            <a:solidFill>
+              <a:srgbClr val="D20015"/>
+            </a:solidFill>
+            <a:headEnd type="triangle" w="med" len="lg"/>
+            <a:tailEnd type="triangle" w="med" len="lg"/>
+          </a:ln>
+        </p:spPr>
+        <p:style>
+          <a:lnRef idx="1">
+            <a:schemeClr val="accent1"/>
+          </a:lnRef>
+          <a:fillRef idx="0">
+            <a:schemeClr val="accent1"/>
+          </a:fillRef>
+          <a:effectRef idx="0">
+            <a:schemeClr val="accent1"/>
+          </a:effectRef>
+          <a:fontRef idx="minor">
+            <a:schemeClr val="tx1"/>
+          </a:fontRef>
+        </p:style>
+      </p:cxnSp>
     </p:spTree>
     <p:extLst>
       <p:ext uri="{BB962C8B-B14F-4D97-AF65-F5344CB8AC3E}">

--- a/img/layers.pptx
+++ b/img/layers.pptx
@@ -243,7 +243,7 @@
           <a:p>
             <a:fld id="{EEB6241C-A713-4630-9562-3A5EAA433FD2}" type="datetimeFigureOut">
               <a:rPr lang="de-DE" smtClean="0"/>
-              <a:t>26.10.2015</a:t>
+              <a:t>16.12.2015</a:t>
             </a:fld>
             <a:endParaRPr lang="de-DE"/>
           </a:p>
@@ -413,7 +413,7 @@
           <a:p>
             <a:fld id="{EEB6241C-A713-4630-9562-3A5EAA433FD2}" type="datetimeFigureOut">
               <a:rPr lang="de-DE" smtClean="0"/>
-              <a:t>26.10.2015</a:t>
+              <a:t>16.12.2015</a:t>
             </a:fld>
             <a:endParaRPr lang="de-DE"/>
           </a:p>
@@ -593,7 +593,7 @@
           <a:p>
             <a:fld id="{EEB6241C-A713-4630-9562-3A5EAA433FD2}" type="datetimeFigureOut">
               <a:rPr lang="de-DE" smtClean="0"/>
-              <a:t>26.10.2015</a:t>
+              <a:t>16.12.2015</a:t>
             </a:fld>
             <a:endParaRPr lang="de-DE"/>
           </a:p>
@@ -763,7 +763,7 @@
           <a:p>
             <a:fld id="{EEB6241C-A713-4630-9562-3A5EAA433FD2}" type="datetimeFigureOut">
               <a:rPr lang="de-DE" smtClean="0"/>
-              <a:t>26.10.2015</a:t>
+              <a:t>16.12.2015</a:t>
             </a:fld>
             <a:endParaRPr lang="de-DE"/>
           </a:p>
@@ -1007,7 +1007,7 @@
           <a:p>
             <a:fld id="{EEB6241C-A713-4630-9562-3A5EAA433FD2}" type="datetimeFigureOut">
               <a:rPr lang="de-DE" smtClean="0"/>
-              <a:t>26.10.2015</a:t>
+              <a:t>16.12.2015</a:t>
             </a:fld>
             <a:endParaRPr lang="de-DE"/>
           </a:p>
@@ -1239,7 +1239,7 @@
           <a:p>
             <a:fld id="{EEB6241C-A713-4630-9562-3A5EAA433FD2}" type="datetimeFigureOut">
               <a:rPr lang="de-DE" smtClean="0"/>
-              <a:t>26.10.2015</a:t>
+              <a:t>16.12.2015</a:t>
             </a:fld>
             <a:endParaRPr lang="de-DE"/>
           </a:p>
@@ -1606,7 +1606,7 @@
           <a:p>
             <a:fld id="{EEB6241C-A713-4630-9562-3A5EAA433FD2}" type="datetimeFigureOut">
               <a:rPr lang="de-DE" smtClean="0"/>
-              <a:t>26.10.2015</a:t>
+              <a:t>16.12.2015</a:t>
             </a:fld>
             <a:endParaRPr lang="de-DE"/>
           </a:p>
@@ -1724,7 +1724,7 @@
           <a:p>
             <a:fld id="{EEB6241C-A713-4630-9562-3A5EAA433FD2}" type="datetimeFigureOut">
               <a:rPr lang="de-DE" smtClean="0"/>
-              <a:t>26.10.2015</a:t>
+              <a:t>16.12.2015</a:t>
             </a:fld>
             <a:endParaRPr lang="de-DE"/>
           </a:p>
@@ -1819,7 +1819,7 @@
           <a:p>
             <a:fld id="{EEB6241C-A713-4630-9562-3A5EAA433FD2}" type="datetimeFigureOut">
               <a:rPr lang="de-DE" smtClean="0"/>
-              <a:t>26.10.2015</a:t>
+              <a:t>16.12.2015</a:t>
             </a:fld>
             <a:endParaRPr lang="de-DE"/>
           </a:p>
@@ -2096,7 +2096,7 @@
           <a:p>
             <a:fld id="{EEB6241C-A713-4630-9562-3A5EAA433FD2}" type="datetimeFigureOut">
               <a:rPr lang="de-DE" smtClean="0"/>
-              <a:t>26.10.2015</a:t>
+              <a:t>16.12.2015</a:t>
             </a:fld>
             <a:endParaRPr lang="de-DE"/>
           </a:p>
@@ -2353,7 +2353,7 @@
           <a:p>
             <a:fld id="{EEB6241C-A713-4630-9562-3A5EAA433FD2}" type="datetimeFigureOut">
               <a:rPr lang="de-DE" smtClean="0"/>
-              <a:t>26.10.2015</a:t>
+              <a:t>16.12.2015</a:t>
             </a:fld>
             <a:endParaRPr lang="de-DE"/>
           </a:p>
@@ -2566,7 +2566,7 @@
           <a:p>
             <a:fld id="{EEB6241C-A713-4630-9562-3A5EAA433FD2}" type="datetimeFigureOut">
               <a:rPr lang="de-DE" smtClean="0"/>
-              <a:t>26.10.2015</a:t>
+              <a:t>16.12.2015</a:t>
             </a:fld>
             <a:endParaRPr lang="de-DE"/>
           </a:p>
@@ -2990,7 +2990,7 @@
           <a:noFill/>
           <a:ln w="9525">
             <a:solidFill>
-              <a:srgbClr val="003359"/>
+              <a:srgbClr val="195B8B"/>
             </a:solidFill>
           </a:ln>
         </p:spPr>
@@ -3016,7 +3016,7 @@
           <a:p>
             <a:pPr algn="ctr"/>
             <a:endParaRPr lang="en-US" dirty="0">
-              <a:latin typeface="Microsoft Sans Serif" panose="020B0604020202020204" pitchFamily="34" charset="0"/>
+              <a:latin typeface="Merriweather Sans" panose="02000503060000020004" pitchFamily="2" charset="0"/>
               <a:ea typeface="Microsoft Sans Serif" panose="020B0604020202020204" pitchFamily="34" charset="0"/>
               <a:cs typeface="Microsoft Sans Serif" panose="020B0604020202020204" pitchFamily="34" charset="0"/>
             </a:endParaRPr>
@@ -3040,11 +3040,11 @@
             </a:avLst>
           </a:prstGeom>
           <a:solidFill>
-            <a:srgbClr val="003359"/>
+            <a:srgbClr val="195B8B"/>
           </a:solidFill>
           <a:ln w="9525">
             <a:solidFill>
-              <a:srgbClr val="003359"/>
+              <a:srgbClr val="195B8B"/>
             </a:solidFill>
           </a:ln>
         </p:spPr>
@@ -3070,14 +3070,14 @@
           <a:p>
             <a:r>
               <a:rPr lang="en-US" sz="1400" dirty="0" smtClean="0">
-                <a:latin typeface="Merriweather" panose="02060503050406030704" pitchFamily="18" charset="0"/>
+                <a:latin typeface="Merriweather Sans" panose="02000503060000020004" pitchFamily="2" charset="0"/>
                 <a:ea typeface="Microsoft Sans Serif" panose="020B0604020202020204" pitchFamily="34" charset="0"/>
                 <a:cs typeface="Microsoft Sans Serif" panose="020B0604020202020204" pitchFamily="34" charset="0"/>
               </a:rPr>
               <a:t>Annotated Versioned Linked Content Graph</a:t>
             </a:r>
             <a:endParaRPr lang="en-US" sz="1400" dirty="0">
-              <a:latin typeface="Merriweather" panose="02060503050406030704" pitchFamily="18" charset="0"/>
+              <a:latin typeface="Merriweather Sans" panose="02000503060000020004" pitchFamily="2" charset="0"/>
               <a:ea typeface="Microsoft Sans Serif" panose="020B0604020202020204" pitchFamily="34" charset="0"/>
               <a:cs typeface="Microsoft Sans Serif" panose="020B0604020202020204" pitchFamily="34" charset="0"/>
             </a:endParaRPr>
@@ -3101,11 +3101,11 @@
             </a:avLst>
           </a:prstGeom>
           <a:solidFill>
-            <a:srgbClr val="003359"/>
+            <a:srgbClr val="195B8B"/>
           </a:solidFill>
           <a:ln w="9525">
             <a:solidFill>
-              <a:srgbClr val="003359"/>
+              <a:srgbClr val="195B8B"/>
             </a:solidFill>
           </a:ln>
         </p:spPr>
@@ -3131,14 +3131,14 @@
           <a:p>
             <a:r>
               <a:rPr lang="en-US" sz="1400" dirty="0" smtClean="0">
-                <a:latin typeface="Merriweather" panose="02060503050406030704" pitchFamily="18" charset="0"/>
+                <a:latin typeface="Merriweather Sans" panose="02000503060000020004" pitchFamily="2" charset="0"/>
                 <a:ea typeface="Microsoft Sans Serif" panose="020B0604020202020204" pitchFamily="34" charset="0"/>
                 <a:cs typeface="Microsoft Sans Serif" panose="020B0604020202020204" pitchFamily="34" charset="0"/>
               </a:rPr>
               <a:t>Multiple Dynamic Schemata</a:t>
             </a:r>
             <a:endParaRPr lang="en-US" sz="1400" dirty="0">
-              <a:latin typeface="Merriweather" panose="02060503050406030704" pitchFamily="18" charset="0"/>
+              <a:latin typeface="Merriweather Sans" panose="02000503060000020004" pitchFamily="2" charset="0"/>
               <a:ea typeface="Microsoft Sans Serif" panose="020B0604020202020204" pitchFamily="34" charset="0"/>
               <a:cs typeface="Microsoft Sans Serif" panose="020B0604020202020204" pitchFamily="34" charset="0"/>
             </a:endParaRPr>
@@ -3162,11 +3162,11 @@
             </a:avLst>
           </a:prstGeom>
           <a:solidFill>
-            <a:srgbClr val="003359"/>
+            <a:srgbClr val="195B8B"/>
           </a:solidFill>
           <a:ln w="9525">
             <a:solidFill>
-              <a:srgbClr val="003359"/>
+              <a:srgbClr val="195B8B"/>
             </a:solidFill>
           </a:ln>
         </p:spPr>
@@ -3192,14 +3192,14 @@
           <a:p>
             <a:r>
               <a:rPr lang="en-US" sz="1400" dirty="0" smtClean="0">
-                <a:latin typeface="Merriweather" panose="02060503050406030704" pitchFamily="18" charset="0"/>
+                <a:latin typeface="Merriweather Sans" panose="02000503060000020004" pitchFamily="2" charset="0"/>
                 <a:ea typeface="Microsoft Sans Serif" panose="020B0604020202020204" pitchFamily="34" charset="0"/>
                 <a:cs typeface="Microsoft Sans Serif" panose="020B0604020202020204" pitchFamily="34" charset="0"/>
               </a:rPr>
               <a:t>Role-Based &amp; Discretionary Access Control</a:t>
             </a:r>
             <a:endParaRPr lang="en-US" sz="1400" dirty="0">
-              <a:latin typeface="Merriweather" panose="02060503050406030704" pitchFamily="18" charset="0"/>
+              <a:latin typeface="Merriweather Sans" panose="02000503060000020004" pitchFamily="2" charset="0"/>
               <a:ea typeface="Microsoft Sans Serif" panose="020B0604020202020204" pitchFamily="34" charset="0"/>
               <a:cs typeface="Microsoft Sans Serif" panose="020B0604020202020204" pitchFamily="34" charset="0"/>
             </a:endParaRPr>
@@ -3223,11 +3223,11 @@
             </a:avLst>
           </a:prstGeom>
           <a:solidFill>
-            <a:srgbClr val="003359"/>
+            <a:srgbClr val="195B8B"/>
           </a:solidFill>
           <a:ln w="9525">
             <a:solidFill>
-              <a:srgbClr val="003359"/>
+              <a:srgbClr val="195B8B"/>
             </a:solidFill>
           </a:ln>
         </p:spPr>
@@ -3253,14 +3253,14 @@
           <a:p>
             <a:r>
               <a:rPr lang="en-US" sz="1400" dirty="0" smtClean="0">
-                <a:latin typeface="Merriweather" panose="02060503050406030704" pitchFamily="18" charset="0"/>
+                <a:latin typeface="Merriweather Sans" panose="02000503060000020004" pitchFamily="2" charset="0"/>
                 <a:ea typeface="Microsoft Sans Serif" panose="020B0604020202020204" pitchFamily="34" charset="0"/>
                 <a:cs typeface="Microsoft Sans Serif" panose="020B0604020202020204" pitchFamily="34" charset="0"/>
               </a:rPr>
               <a:t>Advanced Search &amp; Indexing</a:t>
             </a:r>
             <a:endParaRPr lang="en-US" sz="1400" dirty="0">
-              <a:latin typeface="Merriweather" panose="02060503050406030704" pitchFamily="18" charset="0"/>
+              <a:latin typeface="Merriweather Sans" panose="02000503060000020004" pitchFamily="2" charset="0"/>
               <a:ea typeface="Microsoft Sans Serif" panose="020B0604020202020204" pitchFamily="34" charset="0"/>
               <a:cs typeface="Microsoft Sans Serif" panose="020B0604020202020204" pitchFamily="34" charset="0"/>
             </a:endParaRPr>
@@ -3284,11 +3284,11 @@
             </a:avLst>
           </a:prstGeom>
           <a:solidFill>
-            <a:srgbClr val="003359"/>
+            <a:srgbClr val="195B8B"/>
           </a:solidFill>
           <a:ln w="9525">
             <a:solidFill>
-              <a:srgbClr val="003359"/>
+              <a:srgbClr val="195B8B"/>
             </a:solidFill>
           </a:ln>
         </p:spPr>
@@ -3314,14 +3314,14 @@
           <a:p>
             <a:r>
               <a:rPr lang="en-US" sz="1400" dirty="0" smtClean="0">
-                <a:latin typeface="Merriweather" panose="02060503050406030704" pitchFamily="18" charset="0"/>
+                <a:latin typeface="Merriweather Sans" panose="02000503060000020004" pitchFamily="2" charset="0"/>
                 <a:ea typeface="Microsoft Sans Serif" panose="020B0604020202020204" pitchFamily="34" charset="0"/>
                 <a:cs typeface="Microsoft Sans Serif" panose="020B0604020202020204" pitchFamily="34" charset="0"/>
               </a:rPr>
               <a:t>Higher-Order Functional Language</a:t>
             </a:r>
             <a:endParaRPr lang="en-US" sz="1400" dirty="0">
-              <a:latin typeface="Merriweather" panose="02060503050406030704" pitchFamily="18" charset="0"/>
+              <a:latin typeface="Merriweather Sans" panose="02000503060000020004" pitchFamily="2" charset="0"/>
               <a:ea typeface="Microsoft Sans Serif" panose="020B0604020202020204" pitchFamily="34" charset="0"/>
               <a:cs typeface="Microsoft Sans Serif" panose="020B0604020202020204" pitchFamily="34" charset="0"/>
             </a:endParaRPr>
@@ -3345,11 +3345,11 @@
             </a:avLst>
           </a:prstGeom>
           <a:solidFill>
-            <a:srgbClr val="003359"/>
+            <a:srgbClr val="195B8B"/>
           </a:solidFill>
           <a:ln w="9525">
             <a:solidFill>
-              <a:srgbClr val="003359"/>
+              <a:srgbClr val="195B8B"/>
             </a:solidFill>
           </a:ln>
         </p:spPr>
@@ -3375,14 +3375,14 @@
           <a:p>
             <a:r>
               <a:rPr lang="en-US" sz="1400" dirty="0" smtClean="0">
-                <a:latin typeface="Merriweather" panose="02060503050406030704" pitchFamily="18" charset="0"/>
+                <a:latin typeface="Merriweather Sans" panose="02000503060000020004" pitchFamily="2" charset="0"/>
                 <a:ea typeface="Microsoft Sans Serif" panose="020B0604020202020204" pitchFamily="34" charset="0"/>
                 <a:cs typeface="Microsoft Sans Serif" panose="020B0604020202020204" pitchFamily="34" charset="0"/>
               </a:rPr>
               <a:t>Task &amp; Process Integration</a:t>
             </a:r>
             <a:endParaRPr lang="en-US" sz="1400" dirty="0">
-              <a:latin typeface="Merriweather" panose="02060503050406030704" pitchFamily="18" charset="0"/>
+              <a:latin typeface="Merriweather Sans" panose="02000503060000020004" pitchFamily="2" charset="0"/>
               <a:ea typeface="Microsoft Sans Serif" panose="020B0604020202020204" pitchFamily="34" charset="0"/>
               <a:cs typeface="Microsoft Sans Serif" panose="020B0604020202020204" pitchFamily="34" charset="0"/>
             </a:endParaRPr>
@@ -3406,11 +3406,11 @@
             </a:avLst>
           </a:prstGeom>
           <a:solidFill>
-            <a:srgbClr val="003359"/>
+            <a:srgbClr val="195B8B"/>
           </a:solidFill>
           <a:ln w="9525">
             <a:solidFill>
-              <a:srgbClr val="003359"/>
+              <a:srgbClr val="195B8B"/>
             </a:solidFill>
           </a:ln>
         </p:spPr>
@@ -3436,14 +3436,14 @@
           <a:p>
             <a:r>
               <a:rPr lang="en-US" sz="1400" dirty="0" smtClean="0">
-                <a:latin typeface="Merriweather" panose="02060503050406030704" pitchFamily="18" charset="0"/>
+                <a:latin typeface="Merriweather Sans" panose="02000503060000020004" pitchFamily="2" charset="0"/>
                 <a:ea typeface="Microsoft Sans Serif" panose="020B0604020202020204" pitchFamily="34" charset="0"/>
                 <a:cs typeface="Microsoft Sans Serif" panose="020B0604020202020204" pitchFamily="34" charset="0"/>
               </a:rPr>
               <a:t>Subscriptions &amp; Events</a:t>
             </a:r>
             <a:endParaRPr lang="en-US" sz="1400" dirty="0">
-              <a:latin typeface="Merriweather" panose="02060503050406030704" pitchFamily="18" charset="0"/>
+              <a:latin typeface="Merriweather Sans" panose="02000503060000020004" pitchFamily="2" charset="0"/>
               <a:ea typeface="Microsoft Sans Serif" panose="020B0604020202020204" pitchFamily="34" charset="0"/>
               <a:cs typeface="Microsoft Sans Serif" panose="020B0604020202020204" pitchFamily="34" charset="0"/>
             </a:endParaRPr>
@@ -3468,11 +3468,11 @@
             </a:avLst>
           </a:prstGeom>
           <a:solidFill>
-            <a:srgbClr val="003359"/>
+            <a:srgbClr val="195B8B"/>
           </a:solidFill>
           <a:ln w="28575">
             <a:solidFill>
-              <a:srgbClr val="003359"/>
+              <a:srgbClr val="195B8B"/>
             </a:solidFill>
           </a:ln>
         </p:spPr>
@@ -3499,7 +3499,7 @@
             <a:pPr algn="ctr"/>
             <a:r>
               <a:rPr lang="en-US" sz="2000" dirty="0" err="1" smtClean="0">
-                <a:latin typeface="Merriweather" panose="02060503050406030704" pitchFamily="18" charset="0"/>
+                <a:latin typeface="Merriweather Sans" panose="02000503060000020004" pitchFamily="2" charset="0"/>
                 <a:ea typeface="Microsoft Sans Serif" panose="020B0604020202020204" pitchFamily="34" charset="0"/>
                 <a:cs typeface="Microsoft Sans Serif" panose="020B0604020202020204" pitchFamily="34" charset="0"/>
               </a:rPr>
@@ -3507,14 +3507,14 @@
             </a:r>
             <a:r>
               <a:rPr lang="en-US" sz="2000" dirty="0" smtClean="0">
-                <a:latin typeface="Merriweather" panose="02060503050406030704" pitchFamily="18" charset="0"/>
+                <a:latin typeface="Merriweather Sans" panose="02000503060000020004" pitchFamily="2" charset="0"/>
                 <a:ea typeface="Microsoft Sans Serif" panose="020B0604020202020204" pitchFamily="34" charset="0"/>
                 <a:cs typeface="Microsoft Sans Serif" panose="020B0604020202020204" pitchFamily="34" charset="0"/>
               </a:rPr>
               <a:t> REST API</a:t>
             </a:r>
             <a:endParaRPr lang="en-US" sz="2000" dirty="0">
-              <a:latin typeface="Merriweather" panose="02060503050406030704" pitchFamily="18" charset="0"/>
+              <a:latin typeface="Merriweather Sans" panose="02000503060000020004" pitchFamily="2" charset="0"/>
               <a:ea typeface="Microsoft Sans Serif" panose="020B0604020202020204" pitchFamily="34" charset="0"/>
               <a:cs typeface="Microsoft Sans Serif" panose="020B0604020202020204" pitchFamily="34" charset="0"/>
             </a:endParaRPr>
@@ -3540,7 +3540,7 @@
           <a:noFill/>
           <a:ln w="9525">
             <a:solidFill>
-              <a:srgbClr val="003359"/>
+              <a:srgbClr val="195B8B"/>
             </a:solidFill>
           </a:ln>
         </p:spPr>
@@ -3565,7 +3565,7 @@
           <a:lstStyle/>
           <a:p>
             <a:endParaRPr lang="en-US" sz="1400" dirty="0">
-              <a:latin typeface="Merriweather" panose="02060503050406030704" pitchFamily="18" charset="0"/>
+              <a:latin typeface="Merriweather Sans" panose="02000503060000020004" pitchFamily="2" charset="0"/>
               <a:ea typeface="Microsoft Sans Serif" panose="020B0604020202020204" pitchFamily="34" charset="0"/>
               <a:cs typeface="Microsoft Sans Serif" panose="020B0604020202020204" pitchFamily="34" charset="0"/>
             </a:endParaRPr>
@@ -3591,7 +3591,7 @@
           <a:noFill/>
           <a:ln w="9525">
             <a:solidFill>
-              <a:srgbClr val="003359"/>
+              <a:srgbClr val="195B8B"/>
             </a:solidFill>
           </a:ln>
         </p:spPr>
@@ -3616,7 +3616,7 @@
           <a:lstStyle/>
           <a:p>
             <a:endParaRPr lang="en-US" sz="1400" dirty="0">
-              <a:latin typeface="Merriweather" panose="02060503050406030704" pitchFamily="18" charset="0"/>
+              <a:latin typeface="Merriweather Sans" panose="02000503060000020004" pitchFamily="2" charset="0"/>
               <a:ea typeface="Microsoft Sans Serif" panose="020B0604020202020204" pitchFamily="34" charset="0"/>
               <a:cs typeface="Microsoft Sans Serif" panose="020B0604020202020204" pitchFamily="34" charset="0"/>
             </a:endParaRPr>
@@ -3642,7 +3642,7 @@
           <a:noFill/>
           <a:ln w="9525">
             <a:solidFill>
-              <a:srgbClr val="003359"/>
+              <a:srgbClr val="195B8B"/>
             </a:solidFill>
           </a:ln>
         </p:spPr>
@@ -3667,7 +3667,7 @@
           <a:lstStyle/>
           <a:p>
             <a:endParaRPr lang="en-US" sz="1400" dirty="0">
-              <a:latin typeface="Merriweather" panose="02060503050406030704" pitchFamily="18" charset="0"/>
+              <a:latin typeface="Merriweather Sans" panose="02000503060000020004" pitchFamily="2" charset="0"/>
               <a:ea typeface="Microsoft Sans Serif" panose="020B0604020202020204" pitchFamily="34" charset="0"/>
               <a:cs typeface="Microsoft Sans Serif" panose="020B0604020202020204" pitchFamily="34" charset="0"/>
             </a:endParaRPr>
@@ -3693,7 +3693,7 @@
           <a:noFill/>
           <a:ln w="9525">
             <a:solidFill>
-              <a:srgbClr val="003359"/>
+              <a:srgbClr val="195B8B"/>
             </a:solidFill>
           </a:ln>
         </p:spPr>
@@ -3718,7 +3718,7 @@
           <a:lstStyle/>
           <a:p>
             <a:endParaRPr lang="en-US" sz="1400" dirty="0">
-              <a:latin typeface="Merriweather" panose="02060503050406030704" pitchFamily="18" charset="0"/>
+              <a:latin typeface="Merriweather Sans" panose="02000503060000020004" pitchFamily="2" charset="0"/>
               <a:ea typeface="Microsoft Sans Serif" panose="020B0604020202020204" pitchFamily="34" charset="0"/>
               <a:cs typeface="Microsoft Sans Serif" panose="020B0604020202020204" pitchFamily="34" charset="0"/>
             </a:endParaRPr>
@@ -3744,7 +3744,7 @@
           <a:noFill/>
           <a:ln w="9525">
             <a:solidFill>
-              <a:srgbClr val="003359"/>
+              <a:srgbClr val="195B8B"/>
             </a:solidFill>
           </a:ln>
         </p:spPr>
@@ -3769,7 +3769,7 @@
           <a:lstStyle/>
           <a:p>
             <a:endParaRPr lang="en-US" sz="1400" dirty="0">
-              <a:latin typeface="Merriweather" panose="02060503050406030704" pitchFamily="18" charset="0"/>
+              <a:latin typeface="Merriweather Sans" panose="02000503060000020004" pitchFamily="2" charset="0"/>
               <a:ea typeface="Microsoft Sans Serif" panose="020B0604020202020204" pitchFamily="34" charset="0"/>
               <a:cs typeface="Microsoft Sans Serif" panose="020B0604020202020204" pitchFamily="34" charset="0"/>
             </a:endParaRPr>
@@ -3795,7 +3795,7 @@
           <a:noFill/>
           <a:ln w="9525">
             <a:solidFill>
-              <a:srgbClr val="003359"/>
+              <a:srgbClr val="195B8B"/>
             </a:solidFill>
           </a:ln>
         </p:spPr>
@@ -3820,7 +3820,7 @@
           <a:lstStyle/>
           <a:p>
             <a:endParaRPr lang="en-US" sz="1400" dirty="0">
-              <a:latin typeface="Merriweather" panose="02060503050406030704" pitchFamily="18" charset="0"/>
+              <a:latin typeface="Merriweather Sans" panose="02000503060000020004" pitchFamily="2" charset="0"/>
               <a:ea typeface="Microsoft Sans Serif" panose="020B0604020202020204" pitchFamily="34" charset="0"/>
               <a:cs typeface="Microsoft Sans Serif" panose="020B0604020202020204" pitchFamily="34" charset="0"/>
             </a:endParaRPr>
@@ -3844,11 +3844,11 @@
             </a:avLst>
           </a:prstGeom>
           <a:solidFill>
-            <a:srgbClr val="003359"/>
+            <a:srgbClr val="195B8B"/>
           </a:solidFill>
           <a:ln w="9525">
             <a:solidFill>
-              <a:srgbClr val="003359"/>
+              <a:srgbClr val="195B8B"/>
             </a:solidFill>
           </a:ln>
         </p:spPr>
@@ -3875,14 +3875,14 @@
             <a:pPr algn="ctr"/>
             <a:r>
               <a:rPr lang="en-US" sz="1400" dirty="0" smtClean="0">
-                <a:latin typeface="Merriweather" panose="02060503050406030704" pitchFamily="18" charset="0"/>
+                <a:latin typeface="Merriweather Sans" panose="02000503060000020004" pitchFamily="2" charset="0"/>
                 <a:ea typeface="Microsoft Sans Serif" panose="020B0604020202020204" pitchFamily="34" charset="0"/>
                 <a:cs typeface="Microsoft Sans Serif" panose="020B0604020202020204" pitchFamily="34" charset="0"/>
               </a:rPr>
               <a:t>Data &amp; Identity Connectors</a:t>
             </a:r>
             <a:endParaRPr lang="en-US" sz="1400" dirty="0">
-              <a:latin typeface="Merriweather" panose="02060503050406030704" pitchFamily="18" charset="0"/>
+              <a:latin typeface="Merriweather Sans" panose="02000503060000020004" pitchFamily="2" charset="0"/>
               <a:ea typeface="Microsoft Sans Serif" panose="020B0604020202020204" pitchFamily="34" charset="0"/>
               <a:cs typeface="Microsoft Sans Serif" panose="020B0604020202020204" pitchFamily="34" charset="0"/>
             </a:endParaRPr>
@@ -3905,7 +3905,7 @@
           </a:prstGeom>
           <a:ln w="28575">
             <a:solidFill>
-              <a:srgbClr val="D20015"/>
+              <a:srgbClr val="FF5252"/>
             </a:solidFill>
             <a:headEnd type="triangle" w="med" len="lg"/>
             <a:tailEnd type="triangle" w="med" len="lg"/>
@@ -3942,7 +3942,7 @@
           </a:prstGeom>
           <a:ln w="28575">
             <a:solidFill>
-              <a:srgbClr val="D20015"/>
+              <a:srgbClr val="FF5252"/>
             </a:solidFill>
             <a:headEnd type="triangle" w="med" len="lg"/>
             <a:tailEnd type="triangle" w="med" len="lg"/>
@@ -3979,7 +3979,7 @@
           </a:prstGeom>
           <a:ln w="28575">
             <a:solidFill>
-              <a:srgbClr val="D20015"/>
+              <a:srgbClr val="FF5252"/>
             </a:solidFill>
             <a:headEnd type="triangle" w="med" len="lg"/>
             <a:tailEnd type="triangle" w="med" len="lg"/>
@@ -4016,7 +4016,7 @@
           </a:prstGeom>
           <a:ln w="28575">
             <a:solidFill>
-              <a:srgbClr val="D20015"/>
+              <a:srgbClr val="FF5252"/>
             </a:solidFill>
             <a:headEnd type="triangle" w="med" len="lg"/>
             <a:tailEnd type="triangle" w="med" len="lg"/>
@@ -4053,7 +4053,7 @@
           </a:prstGeom>
           <a:ln w="28575">
             <a:solidFill>
-              <a:srgbClr val="D20015"/>
+              <a:srgbClr val="FF5252"/>
             </a:solidFill>
             <a:headEnd type="triangle" w="med" len="lg"/>
             <a:tailEnd type="triangle" w="med" len="lg"/>
@@ -4090,7 +4090,7 @@
           </a:prstGeom>
           <a:ln w="28575">
             <a:solidFill>
-              <a:srgbClr val="D20015"/>
+              <a:srgbClr val="FF5252"/>
             </a:solidFill>
             <a:headEnd type="triangle" w="med" len="lg"/>
             <a:tailEnd type="triangle" w="med" len="lg"/>
@@ -4127,7 +4127,7 @@
           </a:prstGeom>
           <a:ln w="28575">
             <a:solidFill>
-              <a:srgbClr val="D20015"/>
+              <a:srgbClr val="FF5252"/>
             </a:solidFill>
             <a:headEnd type="triangle" w="med" len="lg"/>
             <a:tailEnd type="triangle" w="med" len="lg"/>
